--- a/Assets/MODELO_POSTER_XI_FESTIVAL_SOFTWARE_20191-amarelo (1).pptx
+++ b/Assets/MODELO_POSTER_XI_FESTIVAL_SOFTWARE_20191-amarelo (1).pptx
@@ -552,10 +552,10 @@
           </a:ln>
           <a:extLst>
             <a:ext uri="{FAA26D3D-D897-4be2-8F04-BA451C77F1D7}">
-              <ma14:placeholderFlag xmlns="" xmlns:ma14="http://schemas.microsoft.com/office/mac/drawingml/2011/main" val="1"/>
+              <ma14:placeholderFlag xmlns:ma14="http://schemas.microsoft.com/office/mac/drawingml/2011/main" xmlns="" val="1"/>
             </a:ext>
             <a:ext uri="{909E8E84-426E-40dd-AFC4-6F175D3DCCD1}">
-              <a14:hiddenFill xmlns="" xmlns:a14="http://schemas.microsoft.com/office/drawing/2010/main">
+              <a14:hiddenFill xmlns:a14="http://schemas.microsoft.com/office/drawing/2010/main" xmlns="">
                 <a:solidFill>
                   <a:srgbClr val="FFFFFF"/>
                 </a:solidFill>
@@ -903,14 +903,14 @@
           <a:ln/>
           <a:extLst>
             <a:ext uri="{909E8E84-426E-40dd-AFC4-6F175D3DCCD1}">
-              <a14:hiddenFill xmlns="" xmlns:a14="http://schemas.microsoft.com/office/drawing/2010/main">
+              <a14:hiddenFill xmlns:a14="http://schemas.microsoft.com/office/drawing/2010/main" xmlns="">
                 <a:solidFill>
                   <a:srgbClr val="FFFFFF"/>
                 </a:solidFill>
               </a14:hiddenFill>
             </a:ext>
             <a:ext uri="{91240B29-F687-4f45-9708-019B960494DF}">
-              <a14:hiddenLine xmlns="" xmlns:a14="http://schemas.microsoft.com/office/drawing/2010/main" w="9525">
+              <a14:hiddenLine xmlns:a14="http://schemas.microsoft.com/office/drawing/2010/main" xmlns="" w="9525">
                 <a:solidFill>
                   <a:srgbClr val="000000"/>
                 </a:solidFill>
@@ -1071,17 +1071,17 @@
           <a:ln/>
           <a:extLst>
             <a:ext uri="{FAA26D3D-D897-4be2-8F04-BA451C77F1D7}">
-              <ma14:placeholderFlag xmlns="" xmlns:ma14="http://schemas.microsoft.com/office/mac/drawingml/2011/main" val="1"/>
+              <ma14:placeholderFlag xmlns:ma14="http://schemas.microsoft.com/office/mac/drawingml/2011/main" xmlns="" val="1"/>
             </a:ext>
             <a:ext uri="{909E8E84-426E-40dd-AFC4-6F175D3DCCD1}">
-              <a14:hiddenFill xmlns="" xmlns:a14="http://schemas.microsoft.com/office/drawing/2010/main">
+              <a14:hiddenFill xmlns:a14="http://schemas.microsoft.com/office/drawing/2010/main" xmlns="">
                 <a:solidFill>
                   <a:srgbClr val="FFFFFF"/>
                 </a:solidFill>
               </a14:hiddenFill>
             </a:ext>
             <a:ext uri="{91240B29-F687-4f45-9708-019B960494DF}">
-              <a14:hiddenLine xmlns="" xmlns:a14="http://schemas.microsoft.com/office/drawing/2010/main" w="9525">
+              <a14:hiddenLine xmlns:a14="http://schemas.microsoft.com/office/drawing/2010/main" xmlns="" w="9525">
                 <a:solidFill>
                   <a:srgbClr val="000000"/>
                 </a:solidFill>
@@ -3749,17 +3749,17 @@
           </a:ln>
           <a:extLst>
             <a:ext uri="{FAA26D3D-D897-4be2-8F04-BA451C77F1D7}">
-              <ma14:placeholderFlag xmlns="" xmlns:ma14="http://schemas.microsoft.com/office/mac/drawingml/2011/main" val="1"/>
+              <ma14:placeholderFlag xmlns:ma14="http://schemas.microsoft.com/office/mac/drawingml/2011/main" xmlns="" val="1"/>
             </a:ext>
             <a:ext uri="{909E8E84-426E-40dd-AFC4-6F175D3DCCD1}">
-              <a14:hiddenFill xmlns="" xmlns:a14="http://schemas.microsoft.com/office/drawing/2010/main">
+              <a14:hiddenFill xmlns:a14="http://schemas.microsoft.com/office/drawing/2010/main" xmlns="">
                 <a:solidFill>
                   <a:srgbClr val="FFFFFF"/>
                 </a:solidFill>
               </a14:hiddenFill>
             </a:ext>
             <a:ext uri="{91240B29-F687-4f45-9708-019B960494DF}">
-              <a14:hiddenLine xmlns="" xmlns:a14="http://schemas.microsoft.com/office/drawing/2010/main" w="9525">
+              <a14:hiddenLine xmlns:a14="http://schemas.microsoft.com/office/drawing/2010/main" xmlns="" w="9525">
                 <a:solidFill>
                   <a:srgbClr val="000000"/>
                 </a:solidFill>
@@ -3810,17 +3810,17 @@
           </a:ln>
           <a:extLst>
             <a:ext uri="{FAA26D3D-D897-4be2-8F04-BA451C77F1D7}">
-              <ma14:placeholderFlag xmlns="" xmlns:ma14="http://schemas.microsoft.com/office/mac/drawingml/2011/main" val="1"/>
+              <ma14:placeholderFlag xmlns:ma14="http://schemas.microsoft.com/office/mac/drawingml/2011/main" xmlns="" val="1"/>
             </a:ext>
             <a:ext uri="{909E8E84-426E-40dd-AFC4-6F175D3DCCD1}">
-              <a14:hiddenFill xmlns="" xmlns:a14="http://schemas.microsoft.com/office/drawing/2010/main">
+              <a14:hiddenFill xmlns:a14="http://schemas.microsoft.com/office/drawing/2010/main" xmlns="">
                 <a:solidFill>
                   <a:srgbClr val="FFFFFF"/>
                 </a:solidFill>
               </a14:hiddenFill>
             </a:ext>
             <a:ext uri="{91240B29-F687-4f45-9708-019B960494DF}">
-              <a14:hiddenLine xmlns="" xmlns:a14="http://schemas.microsoft.com/office/drawing/2010/main" w="9525">
+              <a14:hiddenLine xmlns:a14="http://schemas.microsoft.com/office/drawing/2010/main" xmlns="" w="9525">
                 <a:solidFill>
                   <a:srgbClr val="000000"/>
                 </a:solidFill>
@@ -4545,14 +4545,14 @@
           </a:ln>
           <a:extLst>
             <a:ext uri="{909E8E84-426E-40dd-AFC4-6F175D3DCCD1}">
-              <a14:hiddenFill xmlns="" xmlns:a14="http://schemas.microsoft.com/office/drawing/2010/main">
+              <a14:hiddenFill xmlns:a14="http://schemas.microsoft.com/office/drawing/2010/main" xmlns="">
                 <a:solidFill>
                   <a:srgbClr val="FFFFFF"/>
                 </a:solidFill>
               </a14:hiddenFill>
             </a:ext>
             <a:ext uri="{91240B29-F687-4f45-9708-019B960494DF}">
-              <a14:hiddenLine xmlns="" xmlns:a14="http://schemas.microsoft.com/office/drawing/2010/main" w="9525">
+              <a14:hiddenLine xmlns:a14="http://schemas.microsoft.com/office/drawing/2010/main" xmlns="" w="9525">
                 <a:solidFill>
                   <a:srgbClr val="000000"/>
                 </a:solidFill>
@@ -5026,14 +5026,14 @@
           </a:ln>
           <a:extLst>
             <a:ext uri="{909E8E84-426E-40dd-AFC4-6F175D3DCCD1}">
-              <a14:hiddenFill xmlns="" xmlns:a14="http://schemas.microsoft.com/office/drawing/2010/main">
+              <a14:hiddenFill xmlns:a14="http://schemas.microsoft.com/office/drawing/2010/main" xmlns="">
                 <a:solidFill>
                   <a:srgbClr val="FFFFFF"/>
                 </a:solidFill>
               </a14:hiddenFill>
             </a:ext>
             <a:ext uri="{91240B29-F687-4f45-9708-019B960494DF}">
-              <a14:hiddenLine xmlns="" xmlns:a14="http://schemas.microsoft.com/office/drawing/2010/main" w="9525">
+              <a14:hiddenLine xmlns:a14="http://schemas.microsoft.com/office/drawing/2010/main" xmlns="" w="9525">
                 <a:solidFill>
                   <a:srgbClr val="000000"/>
                 </a:solidFill>
@@ -5230,7 +5230,57 @@
                 <a:latin typeface="+mj-lt"/>
                 <a:cs typeface="Helvetica" charset="0"/>
               </a:rPr>
-              <a:t> é uma plataforma de serviços de beleza que podem ser agendados e realizados em na comodidade da sua casa. O propósito é atender clientes na comodidade de suas casas, principalmente idosas que possuem certas dificuldades para irem ao salão, como atender salões e profissionais liberais à disponibilizarem seus serviços de maneira rápida e sem custos, abrindo mais portas à um publico que hoje representa grande parte de nossos profissionais informais.</a:t>
+              <a:t> é uma plataforma de serviços de beleza que podem ser agendados e realizados </a:t>
+            </a:r>
+            <a:r>
+              <a:rPr lang="pt-BR" sz="3000" dirty="0" smtClean="0">
+                <a:solidFill>
+                  <a:srgbClr val="000000"/>
+                </a:solidFill>
+                <a:latin typeface="+mj-lt"/>
+                <a:cs typeface="Helvetica" charset="0"/>
+              </a:rPr>
+              <a:t>da maneira mais </a:t>
+            </a:r>
+            <a:r>
+              <a:rPr lang="pt-BR" sz="3000" smtClean="0">
+                <a:solidFill>
+                  <a:srgbClr val="000000"/>
+                </a:solidFill>
+                <a:latin typeface="+mj-lt"/>
+                <a:cs typeface="Helvetica" charset="0"/>
+              </a:rPr>
+              <a:t>confortável poss</a:t>
+            </a:r>
+            <a:r>
+              <a:rPr lang="pt-BR" sz="3000" smtClean="0">
+                <a:solidFill>
+                  <a:srgbClr val="000000"/>
+                </a:solidFill>
+                <a:latin typeface="+mj-lt"/>
+                <a:cs typeface="Helvetica" charset="0"/>
+              </a:rPr>
+              <a:t>ível</a:t>
+            </a:r>
+            <a:r>
+              <a:rPr lang="pt-BR" sz="3000" smtClean="0">
+                <a:solidFill>
+                  <a:srgbClr val="000000"/>
+                </a:solidFill>
+                <a:latin typeface="+mj-lt"/>
+                <a:cs typeface="Helvetica" charset="0"/>
+              </a:rPr>
+              <a:t>. </a:t>
+            </a:r>
+            <a:r>
+              <a:rPr lang="pt-BR" sz="3000" dirty="0">
+                <a:solidFill>
+                  <a:srgbClr val="000000"/>
+                </a:solidFill>
+                <a:latin typeface="+mj-lt"/>
+                <a:cs typeface="Helvetica" charset="0"/>
+              </a:rPr>
+              <a:t>O propósito é atender clientes na comodidade de suas casas, principalmente idosas que possuem certas dificuldades para irem ao salão, como atender salões e profissionais liberais à disponibilizarem seus serviços de maneira rápida e sem custos, abrindo mais portas à um publico que hoje representa grande parte de nossos profissionais informais.</a:t>
             </a:r>
           </a:p>
         </p:txBody>
@@ -5257,14 +5307,14 @@
           </a:ln>
           <a:extLst>
             <a:ext uri="{909E8E84-426E-40dd-AFC4-6F175D3DCCD1}">
-              <a14:hiddenFill xmlns="" xmlns:a14="http://schemas.microsoft.com/office/drawing/2010/main">
+              <a14:hiddenFill xmlns:a14="http://schemas.microsoft.com/office/drawing/2010/main" xmlns="">
                 <a:solidFill>
                   <a:srgbClr val="FFFFFF"/>
                 </a:solidFill>
               </a14:hiddenFill>
             </a:ext>
             <a:ext uri="{91240B29-F687-4f45-9708-019B960494DF}">
-              <a14:hiddenLine xmlns="" xmlns:a14="http://schemas.microsoft.com/office/drawing/2010/main" w="9525">
+              <a14:hiddenLine xmlns:a14="http://schemas.microsoft.com/office/drawing/2010/main" xmlns="" w="9525">
                 <a:solidFill>
                   <a:srgbClr val="000000"/>
                 </a:solidFill>
@@ -5560,14 +5610,14 @@
           </a:ln>
           <a:extLst>
             <a:ext uri="{909E8E84-426E-40dd-AFC4-6F175D3DCCD1}">
-              <a14:hiddenFill xmlns="" xmlns:a14="http://schemas.microsoft.com/office/drawing/2010/main">
+              <a14:hiddenFill xmlns:a14="http://schemas.microsoft.com/office/drawing/2010/main" xmlns="">
                 <a:solidFill>
                   <a:srgbClr val="FFFFFF"/>
                 </a:solidFill>
               </a14:hiddenFill>
             </a:ext>
             <a:ext uri="{91240B29-F687-4f45-9708-019B960494DF}">
-              <a14:hiddenLine xmlns="" xmlns:a14="http://schemas.microsoft.com/office/drawing/2010/main" w="9525">
+              <a14:hiddenLine xmlns:a14="http://schemas.microsoft.com/office/drawing/2010/main" xmlns="" w="9525">
                 <a:solidFill>
                   <a:srgbClr val="000000"/>
                 </a:solidFill>
@@ -5768,14 +5818,14 @@
           </a:ln>
           <a:extLst>
             <a:ext uri="{909E8E84-426E-40dd-AFC4-6F175D3DCCD1}">
-              <a14:hiddenFill xmlns="" xmlns:a14="http://schemas.microsoft.com/office/drawing/2010/main">
+              <a14:hiddenFill xmlns:a14="http://schemas.microsoft.com/office/drawing/2010/main" xmlns="">
                 <a:solidFill>
                   <a:srgbClr val="FFFFFF"/>
                 </a:solidFill>
               </a14:hiddenFill>
             </a:ext>
             <a:ext uri="{91240B29-F687-4f45-9708-019B960494DF}">
-              <a14:hiddenLine xmlns="" xmlns:a14="http://schemas.microsoft.com/office/drawing/2010/main" w="9525">
+              <a14:hiddenLine xmlns:a14="http://schemas.microsoft.com/office/drawing/2010/main" xmlns="" w="9525">
                 <a:solidFill>
                   <a:srgbClr val="000000"/>
                 </a:solidFill>
@@ -6071,14 +6121,14 @@
           </a:ln>
           <a:extLst>
             <a:ext uri="{909E8E84-426E-40dd-AFC4-6F175D3DCCD1}">
-              <a14:hiddenFill xmlns="" xmlns:a14="http://schemas.microsoft.com/office/drawing/2010/main">
+              <a14:hiddenFill xmlns:a14="http://schemas.microsoft.com/office/drawing/2010/main" xmlns="">
                 <a:solidFill>
                   <a:srgbClr val="FFFFFF"/>
                 </a:solidFill>
               </a14:hiddenFill>
             </a:ext>
             <a:ext uri="{91240B29-F687-4f45-9708-019B960494DF}">
-              <a14:hiddenLine xmlns="" xmlns:a14="http://schemas.microsoft.com/office/drawing/2010/main" w="9525">
+              <a14:hiddenLine xmlns:a14="http://schemas.microsoft.com/office/drawing/2010/main" xmlns="" w="9525">
                 <a:solidFill>
                   <a:srgbClr val="000000"/>
                 </a:solidFill>
@@ -6302,14 +6352,14 @@
           </a:ln>
           <a:extLst>
             <a:ext uri="{909E8E84-426E-40dd-AFC4-6F175D3DCCD1}">
-              <a14:hiddenFill xmlns="" xmlns:a14="http://schemas.microsoft.com/office/drawing/2010/main">
+              <a14:hiddenFill xmlns:a14="http://schemas.microsoft.com/office/drawing/2010/main" xmlns="">
                 <a:solidFill>
                   <a:srgbClr val="FFFFFF"/>
                 </a:solidFill>
               </a14:hiddenFill>
             </a:ext>
             <a:ext uri="{91240B29-F687-4f45-9708-019B960494DF}">
-              <a14:hiddenLine xmlns="" xmlns:a14="http://schemas.microsoft.com/office/drawing/2010/main" w="9525">
+              <a14:hiddenLine xmlns:a14="http://schemas.microsoft.com/office/drawing/2010/main" xmlns="" w="9525">
                 <a:solidFill>
                   <a:srgbClr val="000000"/>
                 </a:solidFill>
@@ -6605,14 +6655,14 @@
           </a:ln>
           <a:extLst>
             <a:ext uri="{909E8E84-426E-40dd-AFC4-6F175D3DCCD1}">
-              <a14:hiddenFill xmlns="" xmlns:a14="http://schemas.microsoft.com/office/drawing/2010/main">
+              <a14:hiddenFill xmlns:a14="http://schemas.microsoft.com/office/drawing/2010/main" xmlns="">
                 <a:solidFill>
                   <a:srgbClr val="FFFFFF"/>
                 </a:solidFill>
               </a14:hiddenFill>
             </a:ext>
             <a:ext uri="{91240B29-F687-4f45-9708-019B960494DF}">
-              <a14:hiddenLine xmlns="" xmlns:a14="http://schemas.microsoft.com/office/drawing/2010/main" w="9525">
+              <a14:hiddenLine xmlns:a14="http://schemas.microsoft.com/office/drawing/2010/main" xmlns="" w="9525">
                 <a:solidFill>
                   <a:srgbClr val="000000"/>
                 </a:solidFill>
@@ -6908,14 +6958,14 @@
           </a:ln>
           <a:extLst>
             <a:ext uri="{909E8E84-426E-40dd-AFC4-6F175D3DCCD1}">
-              <a14:hiddenFill xmlns="" xmlns:a14="http://schemas.microsoft.com/office/drawing/2010/main">
+              <a14:hiddenFill xmlns:a14="http://schemas.microsoft.com/office/drawing/2010/main" xmlns="">
                 <a:solidFill>
                   <a:srgbClr val="FFFFFF"/>
                 </a:solidFill>
               </a14:hiddenFill>
             </a:ext>
             <a:ext uri="{91240B29-F687-4f45-9708-019B960494DF}">
-              <a14:hiddenLine xmlns="" xmlns:a14="http://schemas.microsoft.com/office/drawing/2010/main" w="9525">
+              <a14:hiddenLine xmlns:a14="http://schemas.microsoft.com/office/drawing/2010/main" xmlns="" w="9525">
                 <a:solidFill>
                   <a:srgbClr val="000000"/>
                 </a:solidFill>
@@ -7211,14 +7261,14 @@
           </a:ln>
           <a:extLst>
             <a:ext uri="{909E8E84-426E-40dd-AFC4-6F175D3DCCD1}">
-              <a14:hiddenFill xmlns="" xmlns:a14="http://schemas.microsoft.com/office/drawing/2010/main">
+              <a14:hiddenFill xmlns:a14="http://schemas.microsoft.com/office/drawing/2010/main" xmlns="">
                 <a:solidFill>
                   <a:srgbClr val="FFFFFF"/>
                 </a:solidFill>
               </a14:hiddenFill>
             </a:ext>
             <a:ext uri="{91240B29-F687-4f45-9708-019B960494DF}">
-              <a14:hiddenLine xmlns="" xmlns:a14="http://schemas.microsoft.com/office/drawing/2010/main" w="9525">
+              <a14:hiddenLine xmlns:a14="http://schemas.microsoft.com/office/drawing/2010/main" xmlns="" w="9525">
                 <a:solidFill>
                   <a:srgbClr val="000000"/>
                 </a:solidFill>
@@ -7558,14 +7608,14 @@
           </a:ln>
           <a:extLst>
             <a:ext uri="{909E8E84-426E-40dd-AFC4-6F175D3DCCD1}">
-              <a14:hiddenFill xmlns="" xmlns:a14="http://schemas.microsoft.com/office/drawing/2010/main">
+              <a14:hiddenFill xmlns:a14="http://schemas.microsoft.com/office/drawing/2010/main" xmlns="">
                 <a:solidFill>
                   <a:srgbClr val="FFFFFF"/>
                 </a:solidFill>
               </a14:hiddenFill>
             </a:ext>
             <a:ext uri="{91240B29-F687-4f45-9708-019B960494DF}">
-              <a14:hiddenLine xmlns="" xmlns:a14="http://schemas.microsoft.com/office/drawing/2010/main" w="9525">
+              <a14:hiddenLine xmlns:a14="http://schemas.microsoft.com/office/drawing/2010/main" xmlns="" w="9525">
                 <a:solidFill>
                   <a:srgbClr val="000000"/>
                 </a:solidFill>
@@ -7803,14 +7853,14 @@
           </a:ln>
           <a:extLst>
             <a:ext uri="{909E8E84-426E-40dd-AFC4-6F175D3DCCD1}">
-              <a14:hiddenFill xmlns="" xmlns:a14="http://schemas.microsoft.com/office/drawing/2010/main">
+              <a14:hiddenFill xmlns:a14="http://schemas.microsoft.com/office/drawing/2010/main" xmlns="">
                 <a:solidFill>
                   <a:srgbClr val="FFFFFF"/>
                 </a:solidFill>
               </a14:hiddenFill>
             </a:ext>
             <a:ext uri="{91240B29-F687-4f45-9708-019B960494DF}">
-              <a14:hiddenLine xmlns="" xmlns:a14="http://schemas.microsoft.com/office/drawing/2010/main" w="9525">
+              <a14:hiddenLine xmlns:a14="http://schemas.microsoft.com/office/drawing/2010/main" xmlns="" w="9525">
                 <a:solidFill>
                   <a:srgbClr val="000000"/>
                 </a:solidFill>
@@ -7997,17 +8047,37 @@
                 <a:latin typeface="Helvetica" charset="0"/>
                 <a:cs typeface="Helvetica" charset="0"/>
               </a:rPr>
-              <a:t>android</a:t>
-            </a:r>
-            <a:r>
-              <a:rPr lang="pt-BR" sz="2800" dirty="0">
+              <a:t>A</a:t>
+            </a:r>
+            <a:r>
+              <a:rPr lang="pt-BR" sz="2800" dirty="0" err="1" smtClean="0">
                 <a:solidFill>
                   <a:srgbClr val="000000"/>
                 </a:solidFill>
                 <a:latin typeface="Helvetica" charset="0"/>
                 <a:cs typeface="Helvetica" charset="0"/>
               </a:rPr>
-              <a:t> e foi desenvolvida em Java com compatibilidade do Android 7+.</a:t>
+              <a:t>ndroid</a:t>
+            </a:r>
+            <a:r>
+              <a:rPr lang="pt-BR" sz="2800" dirty="0" smtClean="0">
+                <a:solidFill>
+                  <a:srgbClr val="000000"/>
+                </a:solidFill>
+                <a:latin typeface="Helvetica" charset="0"/>
+                <a:cs typeface="Helvetica" charset="0"/>
+              </a:rPr>
+              <a:t> </a:t>
+            </a:r>
+            <a:r>
+              <a:rPr lang="pt-BR" sz="2800" dirty="0">
+                <a:solidFill>
+                  <a:srgbClr val="000000"/>
+                </a:solidFill>
+                <a:latin typeface="Helvetica" charset="0"/>
+                <a:cs typeface="Helvetica" charset="0"/>
+              </a:rPr>
+              <a:t>e foi desenvolvida em Java com compatibilidade do Android 7+.</a:t>
             </a:r>
           </a:p>
           <a:p>
@@ -8143,17 +8213,37 @@
                 <a:latin typeface="Helvetica" charset="0"/>
                 <a:cs typeface="Helvetica" charset="0"/>
               </a:rPr>
-              <a:t>crazy</a:t>
-            </a:r>
-            <a:r>
-              <a:rPr lang="pt-BR" sz="2800" dirty="0">
+              <a:t>C</a:t>
+            </a:r>
+            <a:r>
+              <a:rPr lang="pt-BR" sz="2800" dirty="0" err="1" smtClean="0">
                 <a:solidFill>
                   <a:srgbClr val="000000"/>
                 </a:solidFill>
                 <a:latin typeface="Helvetica" charset="0"/>
                 <a:cs typeface="Helvetica" charset="0"/>
               </a:rPr>
-              <a:t> ‘8s, </a:t>
+              <a:t>razy</a:t>
+            </a:r>
+            <a:r>
+              <a:rPr lang="pt-BR" sz="2800" dirty="0" smtClean="0">
+                <a:solidFill>
+                  <a:srgbClr val="000000"/>
+                </a:solidFill>
+                <a:latin typeface="Helvetica" charset="0"/>
+                <a:cs typeface="Helvetica" charset="0"/>
+              </a:rPr>
+              <a:t> </a:t>
+            </a:r>
+            <a:r>
+              <a:rPr lang="pt-BR" sz="2800" dirty="0">
+                <a:solidFill>
+                  <a:srgbClr val="000000"/>
+                </a:solidFill>
+                <a:latin typeface="Helvetica" charset="0"/>
+                <a:cs typeface="Helvetica" charset="0"/>
+              </a:rPr>
+              <a:t>‘8s, </a:t>
             </a:r>
             <a:r>
               <a:rPr lang="pt-BR" sz="2800" dirty="0" err="1">
@@ -8183,17 +8273,37 @@
                 <a:latin typeface="Helvetica" charset="0"/>
                 <a:cs typeface="Helvetica" charset="0"/>
               </a:rPr>
-              <a:t>android</a:t>
-            </a:r>
-            <a:r>
-              <a:rPr lang="pt-BR" sz="2800" dirty="0">
+              <a:t>A</a:t>
+            </a:r>
+            <a:r>
+              <a:rPr lang="pt-BR" sz="2800" dirty="0" err="1" smtClean="0">
                 <a:solidFill>
                   <a:srgbClr val="000000"/>
                 </a:solidFill>
                 <a:latin typeface="Helvetica" charset="0"/>
                 <a:cs typeface="Helvetica" charset="0"/>
               </a:rPr>
-              <a:t> Studio.</a:t>
+              <a:t>ndroid</a:t>
+            </a:r>
+            <a:r>
+              <a:rPr lang="pt-BR" sz="2800" dirty="0" smtClean="0">
+                <a:solidFill>
+                  <a:srgbClr val="000000"/>
+                </a:solidFill>
+                <a:latin typeface="Helvetica" charset="0"/>
+                <a:cs typeface="Helvetica" charset="0"/>
+              </a:rPr>
+              <a:t> </a:t>
+            </a:r>
+            <a:r>
+              <a:rPr lang="pt-BR" sz="2800" dirty="0">
+                <a:solidFill>
+                  <a:srgbClr val="000000"/>
+                </a:solidFill>
+                <a:latin typeface="Helvetica" charset="0"/>
+                <a:cs typeface="Helvetica" charset="0"/>
+              </a:rPr>
+              <a:t>Studio.</a:t>
             </a:r>
           </a:p>
           <a:p>
